--- a/GS3_チーム2_仕様書.pptx
+++ b/GS3_チーム2_仕様書.pptx
@@ -53,6 +53,8 @@
     <p:sldId id="281" r:id="rId47"/>
     <p:sldId id="298" r:id="rId48"/>
     <p:sldId id="299" r:id="rId49"/>
+    <p:sldId id="307" r:id="rId50"/>
+    <p:sldId id="308" r:id="rId51"/>
   </p:sldIdLst>
   <p:sldSz cx="12192000" cy="6858000"/>
   <p:notesSz cx="6858000" cy="9144000"/>
@@ -290,7 +292,7 @@
           <a:p>
             <a:fld id="{A666E8CF-15D4-41D8-B0AD-7E6B72D4A5E0}" type="datetimeFigureOut">
               <a:rPr kumimoji="1" lang="ja-JP" altLang="en-US" smtClean="0"/>
-              <a:t>2023/6/2</a:t>
+              <a:t>2023/7/4</a:t>
             </a:fld>
             <a:endParaRPr kumimoji="1" lang="ja-JP" altLang="en-US"/>
           </a:p>
@@ -492,7 +494,7 @@
           <a:p>
             <a:fld id="{A666E8CF-15D4-41D8-B0AD-7E6B72D4A5E0}" type="datetimeFigureOut">
               <a:rPr kumimoji="1" lang="ja-JP" altLang="en-US" smtClean="0"/>
-              <a:t>2023/6/2</a:t>
+              <a:t>2023/7/4</a:t>
             </a:fld>
             <a:endParaRPr kumimoji="1" lang="ja-JP" altLang="en-US"/>
           </a:p>
@@ -704,7 +706,7 @@
           <a:p>
             <a:fld id="{A666E8CF-15D4-41D8-B0AD-7E6B72D4A5E0}" type="datetimeFigureOut">
               <a:rPr kumimoji="1" lang="ja-JP" altLang="en-US" smtClean="0"/>
-              <a:t>2023/6/2</a:t>
+              <a:t>2023/7/4</a:t>
             </a:fld>
             <a:endParaRPr kumimoji="1" lang="ja-JP" altLang="en-US"/>
           </a:p>
@@ -906,7 +908,7 @@
           <a:p>
             <a:fld id="{A666E8CF-15D4-41D8-B0AD-7E6B72D4A5E0}" type="datetimeFigureOut">
               <a:rPr kumimoji="1" lang="ja-JP" altLang="en-US" smtClean="0"/>
-              <a:t>2023/6/2</a:t>
+              <a:t>2023/7/4</a:t>
             </a:fld>
             <a:endParaRPr kumimoji="1" lang="ja-JP" altLang="en-US"/>
           </a:p>
@@ -1152,7 +1154,7 @@
           <a:p>
             <a:fld id="{A666E8CF-15D4-41D8-B0AD-7E6B72D4A5E0}" type="datetimeFigureOut">
               <a:rPr kumimoji="1" lang="ja-JP" altLang="en-US" smtClean="0"/>
-              <a:t>2023/6/2</a:t>
+              <a:t>2023/7/4</a:t>
             </a:fld>
             <a:endParaRPr kumimoji="1" lang="ja-JP" altLang="en-US"/>
           </a:p>
@@ -1448,7 +1450,7 @@
           <a:p>
             <a:fld id="{A666E8CF-15D4-41D8-B0AD-7E6B72D4A5E0}" type="datetimeFigureOut">
               <a:rPr kumimoji="1" lang="ja-JP" altLang="en-US" smtClean="0"/>
-              <a:t>2023/6/2</a:t>
+              <a:t>2023/7/4</a:t>
             </a:fld>
             <a:endParaRPr kumimoji="1" lang="ja-JP" altLang="en-US"/>
           </a:p>
@@ -1879,7 +1881,7 @@
           <a:p>
             <a:fld id="{A666E8CF-15D4-41D8-B0AD-7E6B72D4A5E0}" type="datetimeFigureOut">
               <a:rPr kumimoji="1" lang="ja-JP" altLang="en-US" smtClean="0"/>
-              <a:t>2023/6/2</a:t>
+              <a:t>2023/7/4</a:t>
             </a:fld>
             <a:endParaRPr kumimoji="1" lang="ja-JP" altLang="en-US"/>
           </a:p>
@@ -1997,7 +1999,7 @@
           <a:p>
             <a:fld id="{A666E8CF-15D4-41D8-B0AD-7E6B72D4A5E0}" type="datetimeFigureOut">
               <a:rPr kumimoji="1" lang="ja-JP" altLang="en-US" smtClean="0"/>
-              <a:t>2023/6/2</a:t>
+              <a:t>2023/7/4</a:t>
             </a:fld>
             <a:endParaRPr kumimoji="1" lang="ja-JP" altLang="en-US"/>
           </a:p>
@@ -2092,7 +2094,7 @@
           <a:p>
             <a:fld id="{A666E8CF-15D4-41D8-B0AD-7E6B72D4A5E0}" type="datetimeFigureOut">
               <a:rPr kumimoji="1" lang="ja-JP" altLang="en-US" smtClean="0"/>
-              <a:t>2023/6/2</a:t>
+              <a:t>2023/7/4</a:t>
             </a:fld>
             <a:endParaRPr kumimoji="1" lang="ja-JP" altLang="en-US"/>
           </a:p>
@@ -2401,7 +2403,7 @@
           <a:p>
             <a:fld id="{A666E8CF-15D4-41D8-B0AD-7E6B72D4A5E0}" type="datetimeFigureOut">
               <a:rPr kumimoji="1" lang="ja-JP" altLang="en-US" smtClean="0"/>
-              <a:t>2023/6/2</a:t>
+              <a:t>2023/7/4</a:t>
             </a:fld>
             <a:endParaRPr kumimoji="1" lang="ja-JP" altLang="en-US"/>
           </a:p>
@@ -2654,7 +2656,7 @@
           <a:p>
             <a:fld id="{A666E8CF-15D4-41D8-B0AD-7E6B72D4A5E0}" type="datetimeFigureOut">
               <a:rPr kumimoji="1" lang="ja-JP" altLang="en-US" smtClean="0"/>
-              <a:t>2023/6/2</a:t>
+              <a:t>2023/7/4</a:t>
             </a:fld>
             <a:endParaRPr kumimoji="1" lang="ja-JP" altLang="en-US"/>
           </a:p>
@@ -2908,7 +2910,7 @@
           <a:p>
             <a:fld id="{A666E8CF-15D4-41D8-B0AD-7E6B72D4A5E0}" type="datetimeFigureOut">
               <a:rPr kumimoji="1" lang="ja-JP" altLang="en-US" smtClean="0"/>
-              <a:t>2023/6/2</a:t>
+              <a:t>2023/7/4</a:t>
             </a:fld>
             <a:endParaRPr kumimoji="1" lang="ja-JP" altLang="en-US"/>
           </a:p>
@@ -48565,6 +48567,928 @@
 </p:sld>
 </file>
 
+<file path=ppt/slides/slide49.xml><?xml version="1.0" encoding="utf-8"?>
+<p:sld xmlns:a="http://schemas.openxmlformats.org/drawingml/2006/main" xmlns:r="http://schemas.openxmlformats.org/officeDocument/2006/relationships" xmlns:p="http://schemas.openxmlformats.org/presentationml/2006/main">
+  <p:cSld>
+    <p:spTree>
+      <p:nvGrpSpPr>
+        <p:cNvPr id="1" name=""/>
+        <p:cNvGrpSpPr/>
+        <p:nvPr/>
+      </p:nvGrpSpPr>
+      <p:grpSpPr>
+        <a:xfrm>
+          <a:off x="0" y="0"/>
+          <a:ext cx="0" cy="0"/>
+          <a:chOff x="0" y="0"/>
+          <a:chExt cx="0" cy="0"/>
+        </a:xfrm>
+      </p:grpSpPr>
+      <p:sp>
+        <p:nvSpPr>
+          <p:cNvPr id="2" name="テキスト ボックス 1"/>
+          <p:cNvSpPr txBox="1"/>
+          <p:nvPr/>
+        </p:nvSpPr>
+        <p:spPr>
+          <a:xfrm>
+            <a:off x="0" y="185446"/>
+            <a:ext cx="7439857" cy="769441"/>
+          </a:xfrm>
+          <a:prstGeom prst="rect">
+            <a:avLst/>
+          </a:prstGeom>
+          <a:noFill/>
+        </p:spPr>
+        <p:txBody>
+          <a:bodyPr wrap="none" rtlCol="0">
+            <a:spAutoFit/>
+          </a:bodyPr>
+          <a:lstStyle/>
+          <a:p>
+            <a:r>
+              <a:rPr kumimoji="1" lang="en-US" altLang="ja-JP" sz="4400" b="1" dirty="0" smtClean="0"/>
+              <a:t>《</a:t>
+            </a:r>
+            <a:r>
+              <a:rPr kumimoji="1" lang="ja-JP" altLang="en-US" sz="4400" b="1" dirty="0" smtClean="0"/>
+              <a:t>背景モデル設置原案：</a:t>
+            </a:r>
+            <a:r>
+              <a:rPr kumimoji="1" lang="en-US" altLang="ja-JP" sz="4400" b="1" dirty="0" smtClean="0"/>
+              <a:t>1</a:t>
+            </a:r>
+            <a:r>
+              <a:rPr kumimoji="1" lang="ja-JP" altLang="en-US" sz="4400" b="1" dirty="0" smtClean="0"/>
+              <a:t> </a:t>
+            </a:r>
+            <a:r>
+              <a:rPr kumimoji="1" lang="en-US" altLang="ja-JP" sz="4400" b="1" dirty="0" smtClean="0"/>
+              <a:t>》</a:t>
+            </a:r>
+            <a:endParaRPr kumimoji="1" lang="ja-JP" altLang="en-US" sz="4400" b="1" dirty="0"/>
+          </a:p>
+        </p:txBody>
+      </p:sp>
+      <p:sp>
+        <p:nvSpPr>
+          <p:cNvPr id="4" name="テキスト ボックス 3"/>
+          <p:cNvSpPr txBox="1"/>
+          <p:nvPr/>
+        </p:nvSpPr>
+        <p:spPr>
+          <a:xfrm>
+            <a:off x="527537" y="1257300"/>
+            <a:ext cx="2492990" cy="369332"/>
+          </a:xfrm>
+          <a:prstGeom prst="rect">
+            <a:avLst/>
+          </a:prstGeom>
+          <a:noFill/>
+        </p:spPr>
+        <p:txBody>
+          <a:bodyPr wrap="none" rtlCol="0">
+            <a:spAutoFit/>
+          </a:bodyPr>
+          <a:lstStyle/>
+          <a:p>
+            <a:r>
+              <a:rPr lang="en-US" altLang="ja-JP" b="1" dirty="0" smtClean="0"/>
+              <a:t>※</a:t>
+            </a:r>
+            <a:r>
+              <a:rPr lang="ja-JP" altLang="en-US" b="1" dirty="0" smtClean="0"/>
+              <a:t>上から見下ろした図</a:t>
+            </a:r>
+            <a:endParaRPr kumimoji="1" lang="en-US" altLang="ja-JP" b="1" dirty="0" smtClean="0"/>
+          </a:p>
+        </p:txBody>
+      </p:sp>
+      <p:sp>
+        <p:nvSpPr>
+          <p:cNvPr id="5" name="正方形/長方形 4"/>
+          <p:cNvSpPr/>
+          <p:nvPr/>
+        </p:nvSpPr>
+        <p:spPr>
+          <a:xfrm>
+            <a:off x="3583627" y="1063897"/>
+            <a:ext cx="5621919" cy="5621919"/>
+          </a:xfrm>
+          <a:prstGeom prst="rect">
+            <a:avLst/>
+          </a:prstGeom>
+          <a:solidFill>
+            <a:schemeClr val="accent6">
+              <a:lumMod val="20000"/>
+              <a:lumOff val="80000"/>
+            </a:schemeClr>
+          </a:solidFill>
+          <a:ln w="28575">
+            <a:solidFill>
+              <a:schemeClr val="tx1"/>
+            </a:solidFill>
+          </a:ln>
+        </p:spPr>
+        <p:style>
+          <a:lnRef idx="2">
+            <a:schemeClr val="accent1">
+              <a:shade val="50000"/>
+            </a:schemeClr>
+          </a:lnRef>
+          <a:fillRef idx="1">
+            <a:schemeClr val="accent1"/>
+          </a:fillRef>
+          <a:effectRef idx="0">
+            <a:schemeClr val="accent1"/>
+          </a:effectRef>
+          <a:fontRef idx="minor">
+            <a:schemeClr val="lt1"/>
+          </a:fontRef>
+        </p:style>
+        <p:txBody>
+          <a:bodyPr rtlCol="0" anchor="ctr"/>
+          <a:lstStyle/>
+          <a:p>
+            <a:pPr algn="ctr"/>
+            <a:endParaRPr kumimoji="1" lang="ja-JP" altLang="en-US"/>
+          </a:p>
+        </p:txBody>
+      </p:sp>
+      <p:sp>
+        <p:nvSpPr>
+          <p:cNvPr id="6" name="楕円 5"/>
+          <p:cNvSpPr/>
+          <p:nvPr/>
+        </p:nvSpPr>
+        <p:spPr>
+          <a:xfrm>
+            <a:off x="6953806" y="1204548"/>
+            <a:ext cx="2048608" cy="958362"/>
+          </a:xfrm>
+          <a:prstGeom prst="ellipse">
+            <a:avLst/>
+          </a:prstGeom>
+          <a:solidFill>
+            <a:srgbClr val="FFC000"/>
+          </a:solidFill>
+        </p:spPr>
+        <p:style>
+          <a:lnRef idx="2">
+            <a:schemeClr val="accent1">
+              <a:shade val="50000"/>
+            </a:schemeClr>
+          </a:lnRef>
+          <a:fillRef idx="1">
+            <a:schemeClr val="accent1"/>
+          </a:fillRef>
+          <a:effectRef idx="0">
+            <a:schemeClr val="accent1"/>
+          </a:effectRef>
+          <a:fontRef idx="minor">
+            <a:schemeClr val="lt1"/>
+          </a:fontRef>
+        </p:style>
+        <p:txBody>
+          <a:bodyPr rtlCol="0" anchor="ctr"/>
+          <a:lstStyle/>
+          <a:p>
+            <a:pPr algn="ctr"/>
+            <a:r>
+              <a:rPr kumimoji="1" lang="ja-JP" altLang="en-US" sz="1600" b="1" dirty="0" smtClean="0">
+                <a:solidFill>
+                  <a:schemeClr val="tx1"/>
+                </a:solidFill>
+              </a:rPr>
+              <a:t>ビル</a:t>
+            </a:r>
+            <a:r>
+              <a:rPr kumimoji="1" lang="en-US" altLang="ja-JP" sz="1600" b="1" dirty="0" smtClean="0">
+                <a:solidFill>
+                  <a:schemeClr val="tx1"/>
+                </a:solidFill>
+              </a:rPr>
+              <a:t>(1</a:t>
+            </a:r>
+            <a:r>
+              <a:rPr kumimoji="1" lang="ja-JP" altLang="en-US" sz="1600" b="1" dirty="0" smtClean="0">
+                <a:solidFill>
+                  <a:schemeClr val="tx1"/>
+                </a:solidFill>
+              </a:rPr>
+              <a:t>～</a:t>
+            </a:r>
+            <a:r>
+              <a:rPr kumimoji="1" lang="en-US" altLang="ja-JP" sz="1600" b="1" dirty="0" smtClean="0">
+                <a:solidFill>
+                  <a:schemeClr val="tx1"/>
+                </a:solidFill>
+              </a:rPr>
+              <a:t>2</a:t>
+            </a:r>
+            <a:r>
+              <a:rPr kumimoji="1" lang="ja-JP" altLang="en-US" sz="1600" b="1" dirty="0" smtClean="0">
+                <a:solidFill>
+                  <a:schemeClr val="tx1"/>
+                </a:solidFill>
+              </a:rPr>
+              <a:t>個</a:t>
+            </a:r>
+            <a:r>
+              <a:rPr kumimoji="1" lang="en-US" altLang="ja-JP" sz="1600" b="1" dirty="0" smtClean="0">
+                <a:solidFill>
+                  <a:schemeClr val="tx1"/>
+                </a:solidFill>
+              </a:rPr>
+              <a:t>)</a:t>
+            </a:r>
+            <a:endParaRPr kumimoji="1" lang="ja-JP" altLang="en-US" sz="1600" b="1" dirty="0">
+              <a:solidFill>
+                <a:schemeClr val="tx1"/>
+              </a:solidFill>
+            </a:endParaRPr>
+          </a:p>
+        </p:txBody>
+      </p:sp>
+      <p:sp>
+        <p:nvSpPr>
+          <p:cNvPr id="7" name="楕円 6"/>
+          <p:cNvSpPr/>
+          <p:nvPr/>
+        </p:nvSpPr>
+        <p:spPr>
+          <a:xfrm>
+            <a:off x="7206965" y="2768100"/>
+            <a:ext cx="1118441" cy="958362"/>
+          </a:xfrm>
+          <a:prstGeom prst="ellipse">
+            <a:avLst/>
+          </a:prstGeom>
+          <a:solidFill>
+            <a:srgbClr val="FFC000"/>
+          </a:solidFill>
+        </p:spPr>
+        <p:style>
+          <a:lnRef idx="2">
+            <a:schemeClr val="accent1">
+              <a:shade val="50000"/>
+            </a:schemeClr>
+          </a:lnRef>
+          <a:fillRef idx="1">
+            <a:schemeClr val="accent1"/>
+          </a:fillRef>
+          <a:effectRef idx="0">
+            <a:schemeClr val="accent1"/>
+          </a:effectRef>
+          <a:fontRef idx="minor">
+            <a:schemeClr val="lt1"/>
+          </a:fontRef>
+        </p:style>
+        <p:txBody>
+          <a:bodyPr rtlCol="0" anchor="ctr"/>
+          <a:lstStyle/>
+          <a:p>
+            <a:pPr algn="ctr"/>
+            <a:r>
+              <a:rPr lang="ja-JP" altLang="en-US" sz="1400" b="1" dirty="0" smtClean="0">
+                <a:solidFill>
+                  <a:schemeClr val="tx1"/>
+                </a:solidFill>
+              </a:rPr>
+              <a:t>タワー等</a:t>
+            </a:r>
+            <a:endParaRPr kumimoji="1" lang="ja-JP" altLang="en-US" sz="1400" b="1" dirty="0">
+              <a:solidFill>
+                <a:schemeClr val="tx1"/>
+              </a:solidFill>
+            </a:endParaRPr>
+          </a:p>
+        </p:txBody>
+      </p:sp>
+      <p:sp>
+        <p:nvSpPr>
+          <p:cNvPr id="8" name="楕円 7"/>
+          <p:cNvSpPr/>
+          <p:nvPr/>
+        </p:nvSpPr>
+        <p:spPr>
+          <a:xfrm>
+            <a:off x="3786757" y="1178172"/>
+            <a:ext cx="2048608" cy="958362"/>
+          </a:xfrm>
+          <a:prstGeom prst="ellipse">
+            <a:avLst/>
+          </a:prstGeom>
+          <a:solidFill>
+            <a:srgbClr val="FFC000"/>
+          </a:solidFill>
+        </p:spPr>
+        <p:style>
+          <a:lnRef idx="2">
+            <a:schemeClr val="accent1">
+              <a:shade val="50000"/>
+            </a:schemeClr>
+          </a:lnRef>
+          <a:fillRef idx="1">
+            <a:schemeClr val="accent1"/>
+          </a:fillRef>
+          <a:effectRef idx="0">
+            <a:schemeClr val="accent1"/>
+          </a:effectRef>
+          <a:fontRef idx="minor">
+            <a:schemeClr val="lt1"/>
+          </a:fontRef>
+        </p:style>
+        <p:txBody>
+          <a:bodyPr rtlCol="0" anchor="ctr"/>
+          <a:lstStyle/>
+          <a:p>
+            <a:pPr algn="ctr"/>
+            <a:r>
+              <a:rPr kumimoji="1" lang="ja-JP" altLang="en-US" sz="1600" b="1" dirty="0" smtClean="0">
+                <a:solidFill>
+                  <a:schemeClr val="tx1"/>
+                </a:solidFill>
+              </a:rPr>
+              <a:t>ビル</a:t>
+            </a:r>
+            <a:r>
+              <a:rPr kumimoji="1" lang="en-US" altLang="ja-JP" sz="1600" b="1" dirty="0" smtClean="0">
+                <a:solidFill>
+                  <a:schemeClr val="tx1"/>
+                </a:solidFill>
+              </a:rPr>
+              <a:t>(1</a:t>
+            </a:r>
+            <a:r>
+              <a:rPr kumimoji="1" lang="ja-JP" altLang="en-US" sz="1600" b="1" dirty="0" smtClean="0">
+                <a:solidFill>
+                  <a:schemeClr val="tx1"/>
+                </a:solidFill>
+              </a:rPr>
+              <a:t>～</a:t>
+            </a:r>
+            <a:r>
+              <a:rPr kumimoji="1" lang="en-US" altLang="ja-JP" sz="1600" b="1" dirty="0" smtClean="0">
+                <a:solidFill>
+                  <a:schemeClr val="tx1"/>
+                </a:solidFill>
+              </a:rPr>
+              <a:t>2</a:t>
+            </a:r>
+            <a:r>
+              <a:rPr kumimoji="1" lang="ja-JP" altLang="en-US" sz="1600" b="1" dirty="0" smtClean="0">
+                <a:solidFill>
+                  <a:schemeClr val="tx1"/>
+                </a:solidFill>
+              </a:rPr>
+              <a:t>個</a:t>
+            </a:r>
+            <a:r>
+              <a:rPr kumimoji="1" lang="en-US" altLang="ja-JP" sz="1600" b="1" dirty="0" smtClean="0">
+                <a:solidFill>
+                  <a:schemeClr val="tx1"/>
+                </a:solidFill>
+              </a:rPr>
+              <a:t>)</a:t>
+            </a:r>
+            <a:endParaRPr kumimoji="1" lang="ja-JP" altLang="en-US" sz="1600" b="1" dirty="0">
+              <a:solidFill>
+                <a:schemeClr val="tx1"/>
+              </a:solidFill>
+            </a:endParaRPr>
+          </a:p>
+        </p:txBody>
+      </p:sp>
+      <p:sp>
+        <p:nvSpPr>
+          <p:cNvPr id="9" name="楕円 8"/>
+          <p:cNvSpPr/>
+          <p:nvPr/>
+        </p:nvSpPr>
+        <p:spPr>
+          <a:xfrm>
+            <a:off x="4073070" y="2654435"/>
+            <a:ext cx="2852345" cy="1185692"/>
+          </a:xfrm>
+          <a:prstGeom prst="ellipse">
+            <a:avLst/>
+          </a:prstGeom>
+          <a:solidFill>
+            <a:srgbClr val="FFC000"/>
+          </a:solidFill>
+        </p:spPr>
+        <p:style>
+          <a:lnRef idx="2">
+            <a:schemeClr val="accent1">
+              <a:shade val="50000"/>
+            </a:schemeClr>
+          </a:lnRef>
+          <a:fillRef idx="1">
+            <a:schemeClr val="accent1"/>
+          </a:fillRef>
+          <a:effectRef idx="0">
+            <a:schemeClr val="accent1"/>
+          </a:effectRef>
+          <a:fontRef idx="minor">
+            <a:schemeClr val="lt1"/>
+          </a:fontRef>
+        </p:style>
+        <p:txBody>
+          <a:bodyPr rtlCol="0" anchor="ctr"/>
+          <a:lstStyle/>
+          <a:p>
+            <a:pPr algn="ctr"/>
+            <a:r>
+              <a:rPr lang="ja-JP" altLang="en-US" sz="1400" b="1" dirty="0" smtClean="0">
+                <a:solidFill>
+                  <a:schemeClr val="tx1"/>
+                </a:solidFill>
+              </a:rPr>
+              <a:t>広場みたいなの</a:t>
+            </a:r>
+            <a:endParaRPr lang="en-US" altLang="ja-JP" sz="1400" b="1" dirty="0" smtClean="0">
+              <a:solidFill>
+                <a:schemeClr val="tx1"/>
+              </a:solidFill>
+            </a:endParaRPr>
+          </a:p>
+        </p:txBody>
+      </p:sp>
+      <p:sp>
+        <p:nvSpPr>
+          <p:cNvPr id="10" name="正方形/長方形 9"/>
+          <p:cNvSpPr/>
+          <p:nvPr/>
+        </p:nvSpPr>
+        <p:spPr>
+          <a:xfrm>
+            <a:off x="6021723" y="1063897"/>
+            <a:ext cx="791308" cy="1447851"/>
+          </a:xfrm>
+          <a:prstGeom prst="rect">
+            <a:avLst/>
+          </a:prstGeom>
+          <a:solidFill>
+            <a:schemeClr val="bg1">
+              <a:lumMod val="85000"/>
+            </a:schemeClr>
+          </a:solidFill>
+          <a:ln w="19050">
+            <a:solidFill>
+              <a:schemeClr val="tx1"/>
+            </a:solidFill>
+          </a:ln>
+        </p:spPr>
+        <p:style>
+          <a:lnRef idx="2">
+            <a:schemeClr val="accent1">
+              <a:shade val="50000"/>
+            </a:schemeClr>
+          </a:lnRef>
+          <a:fillRef idx="1">
+            <a:schemeClr val="accent1"/>
+          </a:fillRef>
+          <a:effectRef idx="0">
+            <a:schemeClr val="accent1"/>
+          </a:effectRef>
+          <a:fontRef idx="minor">
+            <a:schemeClr val="lt1"/>
+          </a:fontRef>
+        </p:style>
+        <p:txBody>
+          <a:bodyPr rtlCol="0" anchor="ctr"/>
+          <a:lstStyle/>
+          <a:p>
+            <a:pPr algn="ctr"/>
+            <a:r>
+              <a:rPr kumimoji="1" lang="ja-JP" altLang="en-US" b="1" dirty="0" smtClean="0">
+                <a:solidFill>
+                  <a:schemeClr val="tx1"/>
+                </a:solidFill>
+              </a:rPr>
+              <a:t>道</a:t>
+            </a:r>
+            <a:endParaRPr kumimoji="1" lang="ja-JP" altLang="en-US" b="1" dirty="0">
+              <a:solidFill>
+                <a:schemeClr val="tx1"/>
+              </a:solidFill>
+            </a:endParaRPr>
+          </a:p>
+        </p:txBody>
+      </p:sp>
+      <p:sp>
+        <p:nvSpPr>
+          <p:cNvPr id="11" name="正方形/長方形 10"/>
+          <p:cNvSpPr/>
+          <p:nvPr/>
+        </p:nvSpPr>
+        <p:spPr>
+          <a:xfrm>
+            <a:off x="3583627" y="2215662"/>
+            <a:ext cx="5621919" cy="337348"/>
+          </a:xfrm>
+          <a:prstGeom prst="rect">
+            <a:avLst/>
+          </a:prstGeom>
+          <a:solidFill>
+            <a:schemeClr val="bg1">
+              <a:lumMod val="85000"/>
+            </a:schemeClr>
+          </a:solidFill>
+          <a:ln w="19050">
+            <a:solidFill>
+              <a:schemeClr val="tx1"/>
+            </a:solidFill>
+          </a:ln>
+        </p:spPr>
+        <p:style>
+          <a:lnRef idx="2">
+            <a:schemeClr val="accent1">
+              <a:shade val="50000"/>
+            </a:schemeClr>
+          </a:lnRef>
+          <a:fillRef idx="1">
+            <a:schemeClr val="accent1"/>
+          </a:fillRef>
+          <a:effectRef idx="0">
+            <a:schemeClr val="accent1"/>
+          </a:effectRef>
+          <a:fontRef idx="minor">
+            <a:schemeClr val="lt1"/>
+          </a:fontRef>
+        </p:style>
+        <p:txBody>
+          <a:bodyPr rtlCol="0" anchor="ctr"/>
+          <a:lstStyle/>
+          <a:p>
+            <a:pPr algn="ctr"/>
+            <a:r>
+              <a:rPr kumimoji="1" lang="ja-JP" altLang="en-US" b="1" dirty="0" smtClean="0">
+                <a:solidFill>
+                  <a:schemeClr val="tx1"/>
+                </a:solidFill>
+              </a:rPr>
+              <a:t>道</a:t>
+            </a:r>
+            <a:endParaRPr kumimoji="1" lang="ja-JP" altLang="en-US" b="1" dirty="0">
+              <a:solidFill>
+                <a:schemeClr val="tx1"/>
+              </a:solidFill>
+            </a:endParaRPr>
+          </a:p>
+        </p:txBody>
+      </p:sp>
+      <p:sp>
+        <p:nvSpPr>
+          <p:cNvPr id="12" name="正方形/長方形 11"/>
+          <p:cNvSpPr/>
+          <p:nvPr/>
+        </p:nvSpPr>
+        <p:spPr>
+          <a:xfrm>
+            <a:off x="3583627" y="3959787"/>
+            <a:ext cx="5621919" cy="337348"/>
+          </a:xfrm>
+          <a:prstGeom prst="rect">
+            <a:avLst/>
+          </a:prstGeom>
+          <a:solidFill>
+            <a:schemeClr val="bg1">
+              <a:lumMod val="85000"/>
+            </a:schemeClr>
+          </a:solidFill>
+          <a:ln w="19050">
+            <a:solidFill>
+              <a:schemeClr val="tx1"/>
+            </a:solidFill>
+          </a:ln>
+        </p:spPr>
+        <p:style>
+          <a:lnRef idx="2">
+            <a:schemeClr val="accent1">
+              <a:shade val="50000"/>
+            </a:schemeClr>
+          </a:lnRef>
+          <a:fillRef idx="1">
+            <a:schemeClr val="accent1"/>
+          </a:fillRef>
+          <a:effectRef idx="0">
+            <a:schemeClr val="accent1"/>
+          </a:effectRef>
+          <a:fontRef idx="minor">
+            <a:schemeClr val="lt1"/>
+          </a:fontRef>
+        </p:style>
+        <p:txBody>
+          <a:bodyPr rtlCol="0" anchor="ctr"/>
+          <a:lstStyle/>
+          <a:p>
+            <a:pPr algn="ctr"/>
+            <a:r>
+              <a:rPr kumimoji="1" lang="ja-JP" altLang="en-US" b="1" dirty="0" smtClean="0">
+                <a:solidFill>
+                  <a:schemeClr val="tx1"/>
+                </a:solidFill>
+              </a:rPr>
+              <a:t>道</a:t>
+            </a:r>
+            <a:endParaRPr kumimoji="1" lang="ja-JP" altLang="en-US" b="1" dirty="0">
+              <a:solidFill>
+                <a:schemeClr val="tx1"/>
+              </a:solidFill>
+            </a:endParaRPr>
+          </a:p>
+        </p:txBody>
+      </p:sp>
+      <p:sp>
+        <p:nvSpPr>
+          <p:cNvPr id="13" name="正方形/長方形 12"/>
+          <p:cNvSpPr/>
+          <p:nvPr/>
+        </p:nvSpPr>
+        <p:spPr>
+          <a:xfrm>
+            <a:off x="4521169" y="4301750"/>
+            <a:ext cx="791308" cy="2384066"/>
+          </a:xfrm>
+          <a:prstGeom prst="rect">
+            <a:avLst/>
+          </a:prstGeom>
+          <a:solidFill>
+            <a:schemeClr val="bg1">
+              <a:lumMod val="85000"/>
+            </a:schemeClr>
+          </a:solidFill>
+          <a:ln w="19050">
+            <a:solidFill>
+              <a:schemeClr val="tx1"/>
+            </a:solidFill>
+          </a:ln>
+        </p:spPr>
+        <p:style>
+          <a:lnRef idx="2">
+            <a:schemeClr val="accent1">
+              <a:shade val="50000"/>
+            </a:schemeClr>
+          </a:lnRef>
+          <a:fillRef idx="1">
+            <a:schemeClr val="accent1"/>
+          </a:fillRef>
+          <a:effectRef idx="0">
+            <a:schemeClr val="accent1"/>
+          </a:effectRef>
+          <a:fontRef idx="minor">
+            <a:schemeClr val="lt1"/>
+          </a:fontRef>
+        </p:style>
+        <p:txBody>
+          <a:bodyPr rtlCol="0" anchor="ctr"/>
+          <a:lstStyle/>
+          <a:p>
+            <a:pPr algn="ctr"/>
+            <a:r>
+              <a:rPr kumimoji="1" lang="ja-JP" altLang="en-US" b="1" dirty="0" smtClean="0">
+                <a:solidFill>
+                  <a:schemeClr val="tx1"/>
+                </a:solidFill>
+              </a:rPr>
+              <a:t>道</a:t>
+            </a:r>
+            <a:endParaRPr kumimoji="1" lang="ja-JP" altLang="en-US" b="1" dirty="0">
+              <a:solidFill>
+                <a:schemeClr val="tx1"/>
+              </a:solidFill>
+            </a:endParaRPr>
+          </a:p>
+        </p:txBody>
+      </p:sp>
+      <p:sp>
+        <p:nvSpPr>
+          <p:cNvPr id="14" name="楕円 13"/>
+          <p:cNvSpPr/>
+          <p:nvPr/>
+        </p:nvSpPr>
+        <p:spPr>
+          <a:xfrm>
+            <a:off x="3635290" y="4578539"/>
+            <a:ext cx="834217" cy="1825873"/>
+          </a:xfrm>
+          <a:prstGeom prst="ellipse">
+            <a:avLst/>
+          </a:prstGeom>
+          <a:solidFill>
+            <a:srgbClr val="FFC000"/>
+          </a:solidFill>
+        </p:spPr>
+        <p:style>
+          <a:lnRef idx="2">
+            <a:schemeClr val="accent1">
+              <a:shade val="50000"/>
+            </a:schemeClr>
+          </a:lnRef>
+          <a:fillRef idx="1">
+            <a:schemeClr val="accent1"/>
+          </a:fillRef>
+          <a:effectRef idx="0">
+            <a:schemeClr val="accent1"/>
+          </a:effectRef>
+          <a:fontRef idx="minor">
+            <a:schemeClr val="lt1"/>
+          </a:fontRef>
+        </p:style>
+        <p:txBody>
+          <a:bodyPr rtlCol="0" anchor="ctr"/>
+          <a:lstStyle/>
+          <a:p>
+            <a:pPr algn="ctr"/>
+            <a:r>
+              <a:rPr kumimoji="1" lang="ja-JP" altLang="en-US" sz="2800" b="1" dirty="0" smtClean="0">
+                <a:solidFill>
+                  <a:schemeClr val="tx1"/>
+                </a:solidFill>
+              </a:rPr>
+              <a:t>ビル</a:t>
+            </a:r>
+            <a:endParaRPr kumimoji="1" lang="ja-JP" altLang="en-US" sz="2800" b="1" dirty="0">
+              <a:solidFill>
+                <a:schemeClr val="tx1"/>
+              </a:solidFill>
+            </a:endParaRPr>
+          </a:p>
+        </p:txBody>
+      </p:sp>
+      <p:sp>
+        <p:nvSpPr>
+          <p:cNvPr id="15" name="楕円 14"/>
+          <p:cNvSpPr/>
+          <p:nvPr/>
+        </p:nvSpPr>
+        <p:spPr>
+          <a:xfrm>
+            <a:off x="5527633" y="4441620"/>
+            <a:ext cx="3317102" cy="2064688"/>
+          </a:xfrm>
+          <a:prstGeom prst="ellipse">
+            <a:avLst/>
+          </a:prstGeom>
+          <a:solidFill>
+            <a:srgbClr val="FFC000"/>
+          </a:solidFill>
+        </p:spPr>
+        <p:style>
+          <a:lnRef idx="2">
+            <a:schemeClr val="accent1">
+              <a:shade val="50000"/>
+            </a:schemeClr>
+          </a:lnRef>
+          <a:fillRef idx="1">
+            <a:schemeClr val="accent1"/>
+          </a:fillRef>
+          <a:effectRef idx="0">
+            <a:schemeClr val="accent1"/>
+          </a:effectRef>
+          <a:fontRef idx="minor">
+            <a:schemeClr val="lt1"/>
+          </a:fontRef>
+        </p:style>
+        <p:txBody>
+          <a:bodyPr rtlCol="0" anchor="ctr"/>
+          <a:lstStyle/>
+          <a:p>
+            <a:pPr algn="ctr"/>
+            <a:r>
+              <a:rPr lang="ja-JP" altLang="en-US" sz="2400" b="1" dirty="0" smtClean="0">
+                <a:solidFill>
+                  <a:schemeClr val="tx1"/>
+                </a:solidFill>
+              </a:rPr>
+              <a:t>ビル群</a:t>
+            </a:r>
+            <a:endParaRPr lang="en-US" altLang="ja-JP" sz="2400" b="1" dirty="0" smtClean="0">
+              <a:solidFill>
+                <a:schemeClr val="tx1"/>
+              </a:solidFill>
+            </a:endParaRPr>
+          </a:p>
+          <a:p>
+            <a:pPr algn="ctr"/>
+            <a:r>
+              <a:rPr kumimoji="1" lang="en-US" altLang="ja-JP" sz="2400" b="1" dirty="0" smtClean="0">
+                <a:solidFill>
+                  <a:schemeClr val="tx1"/>
+                </a:solidFill>
+              </a:rPr>
+              <a:t>(4</a:t>
+            </a:r>
+            <a:r>
+              <a:rPr kumimoji="1" lang="ja-JP" altLang="en-US" sz="2400" b="1" dirty="0" smtClean="0">
+                <a:solidFill>
+                  <a:schemeClr val="tx1"/>
+                </a:solidFill>
+              </a:rPr>
+              <a:t>～</a:t>
+            </a:r>
+            <a:r>
+              <a:rPr kumimoji="1" lang="en-US" altLang="ja-JP" sz="2400" b="1" dirty="0" smtClean="0">
+                <a:solidFill>
+                  <a:schemeClr val="tx1"/>
+                </a:solidFill>
+              </a:rPr>
+              <a:t>6</a:t>
+            </a:r>
+            <a:r>
+              <a:rPr kumimoji="1" lang="ja-JP" altLang="en-US" sz="2400" b="1" dirty="0" smtClean="0">
+                <a:solidFill>
+                  <a:schemeClr val="tx1"/>
+                </a:solidFill>
+              </a:rPr>
+              <a:t>個</a:t>
+            </a:r>
+            <a:r>
+              <a:rPr kumimoji="1" lang="en-US" altLang="ja-JP" sz="2400" b="1" dirty="0" smtClean="0">
+                <a:solidFill>
+                  <a:schemeClr val="tx1"/>
+                </a:solidFill>
+              </a:rPr>
+              <a:t>)</a:t>
+            </a:r>
+            <a:endParaRPr kumimoji="1" lang="ja-JP" altLang="en-US" sz="2400" b="1" dirty="0">
+              <a:solidFill>
+                <a:schemeClr val="tx1"/>
+              </a:solidFill>
+            </a:endParaRPr>
+          </a:p>
+        </p:txBody>
+      </p:sp>
+      <p:sp>
+        <p:nvSpPr>
+          <p:cNvPr id="16" name="楕円 15"/>
+          <p:cNvSpPr/>
+          <p:nvPr/>
+        </p:nvSpPr>
+        <p:spPr>
+          <a:xfrm>
+            <a:off x="7383724" y="3896419"/>
+            <a:ext cx="1286267" cy="464083"/>
+          </a:xfrm>
+          <a:prstGeom prst="ellipse">
+            <a:avLst/>
+          </a:prstGeom>
+          <a:solidFill>
+            <a:srgbClr val="00FFFF"/>
+          </a:solidFill>
+        </p:spPr>
+        <p:style>
+          <a:lnRef idx="2">
+            <a:schemeClr val="accent1">
+              <a:shade val="50000"/>
+            </a:schemeClr>
+          </a:lnRef>
+          <a:fillRef idx="1">
+            <a:schemeClr val="accent1"/>
+          </a:fillRef>
+          <a:effectRef idx="0">
+            <a:schemeClr val="accent1"/>
+          </a:effectRef>
+          <a:fontRef idx="minor">
+            <a:schemeClr val="lt1"/>
+          </a:fontRef>
+        </p:style>
+        <p:txBody>
+          <a:bodyPr rtlCol="0" anchor="ctr"/>
+          <a:lstStyle/>
+          <a:p>
+            <a:pPr algn="ctr"/>
+            <a:r>
+              <a:rPr lang="ja-JP" altLang="en-US" sz="1400" b="1" dirty="0" smtClean="0">
+                <a:solidFill>
+                  <a:schemeClr val="tx1"/>
+                </a:solidFill>
+              </a:rPr>
+              <a:t>車・人等</a:t>
+            </a:r>
+            <a:endParaRPr lang="en-US" altLang="ja-JP" sz="1400" b="1" dirty="0" smtClean="0">
+              <a:solidFill>
+                <a:schemeClr val="tx1"/>
+              </a:solidFill>
+            </a:endParaRPr>
+          </a:p>
+        </p:txBody>
+      </p:sp>
+    </p:spTree>
+    <p:extLst>
+      <p:ext uri="{BB962C8B-B14F-4D97-AF65-F5344CB8AC3E}">
+        <p14:creationId xmlns:p14="http://schemas.microsoft.com/office/powerpoint/2010/main" val="342352408"/>
+      </p:ext>
+    </p:extLst>
+  </p:cSld>
+  <p:clrMapOvr>
+    <a:masterClrMapping/>
+  </p:clrMapOvr>
+</p:sld>
+</file>
+
 <file path=ppt/slides/slide5.xml><?xml version="1.0" encoding="utf-8"?>
 <p:sld xmlns:a="http://schemas.openxmlformats.org/drawingml/2006/main" xmlns:r="http://schemas.openxmlformats.org/officeDocument/2006/relationships" xmlns:p="http://schemas.openxmlformats.org/presentationml/2006/main">
   <p:cSld>
@@ -48945,6 +49869,167 @@
       </p:par>
     </p:tnLst>
   </p:timing>
+</p:sld>
+</file>
+
+<file path=ppt/slides/slide50.xml><?xml version="1.0" encoding="utf-8"?>
+<p:sld xmlns:a="http://schemas.openxmlformats.org/drawingml/2006/main" xmlns:r="http://schemas.openxmlformats.org/officeDocument/2006/relationships" xmlns:p="http://schemas.openxmlformats.org/presentationml/2006/main">
+  <p:cSld>
+    <p:spTree>
+      <p:nvGrpSpPr>
+        <p:cNvPr id="1" name=""/>
+        <p:cNvGrpSpPr/>
+        <p:nvPr/>
+      </p:nvGrpSpPr>
+      <p:grpSpPr>
+        <a:xfrm>
+          <a:off x="0" y="0"/>
+          <a:ext cx="0" cy="0"/>
+          <a:chOff x="0" y="0"/>
+          <a:chExt cx="0" cy="0"/>
+        </a:xfrm>
+      </p:grpSpPr>
+      <p:sp>
+        <p:nvSpPr>
+          <p:cNvPr id="2" name="テキスト ボックス 1"/>
+          <p:cNvSpPr txBox="1"/>
+          <p:nvPr/>
+        </p:nvSpPr>
+        <p:spPr>
+          <a:xfrm>
+            <a:off x="0" y="185446"/>
+            <a:ext cx="7439857" cy="769441"/>
+          </a:xfrm>
+          <a:prstGeom prst="rect">
+            <a:avLst/>
+          </a:prstGeom>
+          <a:noFill/>
+        </p:spPr>
+        <p:txBody>
+          <a:bodyPr wrap="none" rtlCol="0">
+            <a:spAutoFit/>
+          </a:bodyPr>
+          <a:lstStyle/>
+          <a:p>
+            <a:r>
+              <a:rPr kumimoji="1" lang="en-US" altLang="ja-JP" sz="4400" b="1" dirty="0" smtClean="0"/>
+              <a:t>《</a:t>
+            </a:r>
+            <a:r>
+              <a:rPr kumimoji="1" lang="ja-JP" altLang="en-US" sz="4400" b="1" dirty="0" smtClean="0"/>
+              <a:t>背景モデル設置原案：</a:t>
+            </a:r>
+            <a:r>
+              <a:rPr kumimoji="1" lang="en-US" altLang="ja-JP" sz="4400" b="1" dirty="0" smtClean="0"/>
+              <a:t>2</a:t>
+            </a:r>
+            <a:r>
+              <a:rPr kumimoji="1" lang="ja-JP" altLang="en-US" sz="4400" b="1" dirty="0" smtClean="0"/>
+              <a:t> </a:t>
+            </a:r>
+            <a:r>
+              <a:rPr kumimoji="1" lang="en-US" altLang="ja-JP" sz="4400" b="1" dirty="0" smtClean="0"/>
+              <a:t>》</a:t>
+            </a:r>
+            <a:endParaRPr kumimoji="1" lang="ja-JP" altLang="en-US" sz="4400" b="1" dirty="0"/>
+          </a:p>
+        </p:txBody>
+      </p:sp>
+      <p:sp>
+        <p:nvSpPr>
+          <p:cNvPr id="3" name="テキスト ボックス 2"/>
+          <p:cNvSpPr txBox="1"/>
+          <p:nvPr/>
+        </p:nvSpPr>
+        <p:spPr>
+          <a:xfrm>
+            <a:off x="527537" y="1257300"/>
+            <a:ext cx="2492990" cy="369332"/>
+          </a:xfrm>
+          <a:prstGeom prst="rect">
+            <a:avLst/>
+          </a:prstGeom>
+          <a:noFill/>
+        </p:spPr>
+        <p:txBody>
+          <a:bodyPr wrap="none" rtlCol="0">
+            <a:spAutoFit/>
+          </a:bodyPr>
+          <a:lstStyle/>
+          <a:p>
+            <a:r>
+              <a:rPr lang="en-US" altLang="ja-JP" b="1" dirty="0" smtClean="0"/>
+              <a:t>※</a:t>
+            </a:r>
+            <a:r>
+              <a:rPr lang="ja-JP" altLang="en-US" b="1" dirty="0" smtClean="0"/>
+              <a:t>上から見下ろした図</a:t>
+            </a:r>
+            <a:endParaRPr kumimoji="1" lang="en-US" altLang="ja-JP" b="1" dirty="0" smtClean="0"/>
+          </a:p>
+        </p:txBody>
+      </p:sp>
+      <p:sp>
+        <p:nvSpPr>
+          <p:cNvPr id="4" name="正方形/長方形 3"/>
+          <p:cNvSpPr/>
+          <p:nvPr/>
+        </p:nvSpPr>
+        <p:spPr>
+          <a:xfrm>
+            <a:off x="3583627" y="1063897"/>
+            <a:ext cx="5621919" cy="5621919"/>
+          </a:xfrm>
+          <a:prstGeom prst="rect">
+            <a:avLst/>
+          </a:prstGeom>
+          <a:solidFill>
+            <a:schemeClr val="accent6">
+              <a:lumMod val="20000"/>
+              <a:lumOff val="80000"/>
+            </a:schemeClr>
+          </a:solidFill>
+          <a:ln w="28575">
+            <a:solidFill>
+              <a:schemeClr val="tx1"/>
+            </a:solidFill>
+          </a:ln>
+        </p:spPr>
+        <p:style>
+          <a:lnRef idx="2">
+            <a:schemeClr val="accent1">
+              <a:shade val="50000"/>
+            </a:schemeClr>
+          </a:lnRef>
+          <a:fillRef idx="1">
+            <a:schemeClr val="accent1"/>
+          </a:fillRef>
+          <a:effectRef idx="0">
+            <a:schemeClr val="accent1"/>
+          </a:effectRef>
+          <a:fontRef idx="minor">
+            <a:schemeClr val="lt1"/>
+          </a:fontRef>
+        </p:style>
+        <p:txBody>
+          <a:bodyPr rtlCol="0" anchor="ctr"/>
+          <a:lstStyle/>
+          <a:p>
+            <a:pPr algn="ctr"/>
+            <a:endParaRPr kumimoji="1" lang="ja-JP" altLang="en-US"/>
+          </a:p>
+        </p:txBody>
+      </p:sp>
+    </p:spTree>
+    <p:extLst>
+      <p:ext uri="{BB962C8B-B14F-4D97-AF65-F5344CB8AC3E}">
+        <p14:creationId xmlns:p14="http://schemas.microsoft.com/office/powerpoint/2010/main" val="1042785975"/>
+      </p:ext>
+    </p:extLst>
+  </p:cSld>
+  <p:clrMapOvr>
+    <a:masterClrMapping/>
+  </p:clrMapOvr>
 </p:sld>
 </file>
 
